--- a/szobeli_szakdolgozat-v2.pptx
+++ b/szobeli_szakdolgozat-v2.pptx
@@ -129,32 +129,6 @@
 <p188:authorLst xmlns:a="http://schemas.openxmlformats.org/drawingml/2006/main" xmlns:r="http://schemas.openxmlformats.org/officeDocument/2006/relationships" xmlns:p188="http://schemas.microsoft.com/office/powerpoint/2018/8/main">
   <p188:author id="{0AB740E3-42BF-ACC2-8903-515ECB1677A6}" name="Skopkó Tamás" initials="TS" userId="S::skopko.tamas@vik.bme.hu::13fa6f91-a00c-4136-9259-8d6158680b4f" providerId="AD"/>
 </p188:authorLst>
-</file>
-
-<file path=ppt/comments/modernComment_10E_ECE33D1A.xml><?xml version="1.0" encoding="utf-8"?>
-<p188:cmLst xmlns:a="http://schemas.openxmlformats.org/drawingml/2006/main" xmlns:r="http://schemas.openxmlformats.org/officeDocument/2006/relationships" xmlns:p188="http://schemas.microsoft.com/office/powerpoint/2018/8/main">
-  <p188:cm id="{0B255F40-C751-0349-99F5-5AD8ADF17AA7}" authorId="{0AB740E3-42BF-ACC2-8903-515ECB1677A6}" created="2024-01-07T16:33:37.533">
-    <ac:txMkLst xmlns:ac="http://schemas.microsoft.com/office/drawing/2013/main/command">
-      <pc:docMk xmlns:pc="http://schemas.microsoft.com/office/powerpoint/2013/main/command"/>
-      <pc:sldMk xmlns:pc="http://schemas.microsoft.com/office/powerpoint/2013/main/command" cId="3974315290" sldId="270"/>
-      <ac:spMk id="3" creationId="{BD60B164-E31E-484B-9B47-1149229FCF54}"/>
-      <ac:txMk cp="87" len="137">
-        <ac:context len="225" hash="3622384801"/>
-      </ac:txMk>
-    </ac:txMkLst>
-    <p188:pos x="9742490" y="2159001"/>
-    <p188:txBody>
-      <a:bodyPr/>
-      <a:lstStyle/>
-      <a:p>
-        <a:r>
-          <a:rPr lang="en-HU"/>
-          <a:t>Érdemes valahogy tagolni a hosszú mondatot</a:t>
-        </a:r>
-      </a:p>
-    </p188:txBody>
-  </p188:cm>
-</p188:cmLst>
 </file>
 
 <file path=ppt/notesMasters/notesMaster1.xml><?xml version="1.0" encoding="utf-8"?>
@@ -8702,11 +8676,6 @@
   <p:clrMapOvr>
     <a:masterClrMapping/>
   </p:clrMapOvr>
-  <p:extLst>
-    <p:ext uri="{6950BFC3-D8DA-4A85-94F7-54DA5524770B}">
-      <p188:commentRel xmlns:p188="http://schemas.microsoft.com/office/powerpoint/2018/8/main" r:id="rId2"/>
-    </p:ext>
-  </p:extLst>
 </p:sld>
 </file>
 
@@ -8829,7 +8798,7 @@
         </p:nvSpPr>
         <p:spPr>
           <a:xfrm>
-            <a:off x="4143262" y="6492875"/>
+            <a:off x="2573367" y="5880102"/>
             <a:ext cx="7084177" cy="365125"/>
           </a:xfrm>
         </p:spPr>
@@ -8879,7 +8848,7 @@
         </p:nvSpPr>
         <p:spPr>
           <a:xfrm>
-            <a:off x="11227439" y="6492875"/>
+            <a:off x="10951856" y="5880101"/>
             <a:ext cx="551167" cy="365125"/>
           </a:xfrm>
         </p:spPr>
